--- a/report-demo.pptx
+++ b/report-demo.pptx
@@ -18865,30 +18865,6 @@
           <a:chExt cx="0" cy="0"/>
         </a:xfrm>
       </p:grpSpPr>
-      <p:pic>
-        <p:nvPicPr>
-          <p:cNvPr id="2" name="Picture 1"/>
-          <p:cNvPicPr>
-            <a:picLocks noChangeAspect="1"/>
-          </p:cNvPicPr>
-          <p:nvPr/>
-        </p:nvPicPr>
-        <p:blipFill>
-          <a:blip r:embed="rId3"/>
-          <a:stretch>
-            <a:fillRect/>
-          </a:stretch>
-        </p:blipFill>
-        <p:spPr>
-          <a:xfrm>
-            <a:off x="748940" y="1789112"/>
-            <a:ext cx="7391400" cy="2332038"/>
-          </a:xfrm>
-          <a:prstGeom prst="rect">
-            <a:avLst/>
-          </a:prstGeom>
-        </p:spPr>
-      </p:pic>
       <p:sp>
         <p:nvSpPr>
           <p:cNvPr id="6" name="Subtitle 5"/>
@@ -18917,6 +18893,30 @@
           </a:p>
         </p:txBody>
       </p:sp>
+      <p:pic>
+        <p:nvPicPr>
+          <p:cNvPr id="3" name="Picture 2"/>
+          <p:cNvPicPr>
+            <a:picLocks noChangeAspect="1"/>
+          </p:cNvPicPr>
+          <p:nvPr/>
+        </p:nvPicPr>
+        <p:blipFill>
+          <a:blip r:embed="rId3"/>
+          <a:stretch>
+            <a:fillRect/>
+          </a:stretch>
+        </p:blipFill>
+        <p:spPr>
+          <a:xfrm>
+            <a:off x="1036780" y="1655117"/>
+            <a:ext cx="7486650" cy="2476500"/>
+          </a:xfrm>
+          <a:prstGeom prst="rect">
+            <a:avLst/>
+          </a:prstGeom>
+        </p:spPr>
+      </p:pic>
     </p:spTree>
   </p:cSld>
   <p:clrMapOvr>
